--- a/course_material/week_19/week_19_presentation.pptx
+++ b/course_material/week_19/week_19_presentation.pptx
@@ -1834,7 +1834,7 @@
           <a:p>
             <a:fld id="{5CF9EFDB-215C-4120-ADCB-EAD745B7163E}" type="datetimeFigureOut">
               <a:rPr lang="en-US" smtClean="0"/>
-              <a:t>7/3/2021</a:t>
+              <a:t>7/4/2021</a:t>
             </a:fld>
             <a:endParaRPr lang="en-US"/>
           </a:p>
@@ -2571,6 +2571,93 @@
           <a:bodyPr/>
           <a:lstStyle/>
           <a:p>
+            <a:r>
+              <a:rPr lang="en-US"/>
+              <a:t>https://science.sciencemag.org/content/290/5500/2323/tab-figures-data</a:t>
+            </a:r>
+          </a:p>
+        </p:txBody>
+      </p:sp>
+      <p:sp>
+        <p:nvSpPr>
+          <p:cNvPr id="4" name="Slide Number Placeholder 3"/>
+          <p:cNvSpPr>
+            <a:spLocks noGrp="1"/>
+          </p:cNvSpPr>
+          <p:nvPr>
+            <p:ph type="sldNum" sz="quarter" idx="5"/>
+          </p:nvPr>
+        </p:nvSpPr>
+        <p:spPr/>
+        <p:txBody>
+          <a:bodyPr/>
+          <a:lstStyle/>
+          <a:p>
+            <a:fld id="{791F1524-C5FD-4370-8A10-5BE52A97A495}" type="slidenum">
+              <a:rPr lang="en-US" smtClean="0"/>
+              <a:t>11</a:t>
+            </a:fld>
+            <a:endParaRPr lang="en-US"/>
+          </a:p>
+        </p:txBody>
+      </p:sp>
+    </p:spTree>
+    <p:extLst>
+      <p:ext uri="{BB962C8B-B14F-4D97-AF65-F5344CB8AC3E}">
+        <p14:creationId xmlns:p14="http://schemas.microsoft.com/office/powerpoint/2010/main" val="3034684623"/>
+      </p:ext>
+    </p:extLst>
+  </p:cSld>
+  <p:clrMapOvr>
+    <a:masterClrMapping/>
+  </p:clrMapOvr>
+</p:notes>
+</file>
+
+<file path=ppt/notesSlides/notesSlide7.xml><?xml version="1.0" encoding="utf-8"?>
+<p:notes xmlns:a="http://schemas.openxmlformats.org/drawingml/2006/main" xmlns:r="http://schemas.openxmlformats.org/officeDocument/2006/relationships" xmlns:p="http://schemas.openxmlformats.org/presentationml/2006/main">
+  <p:cSld>
+    <p:spTree>
+      <p:nvGrpSpPr>
+        <p:cNvPr id="1" name=""/>
+        <p:cNvGrpSpPr/>
+        <p:nvPr/>
+      </p:nvGrpSpPr>
+      <p:grpSpPr>
+        <a:xfrm>
+          <a:off x="0" y="0"/>
+          <a:ext cx="0" cy="0"/>
+          <a:chOff x="0" y="0"/>
+          <a:chExt cx="0" cy="0"/>
+        </a:xfrm>
+      </p:grpSpPr>
+      <p:sp>
+        <p:nvSpPr>
+          <p:cNvPr id="2" name="Slide Image Placeholder 1"/>
+          <p:cNvSpPr>
+            <a:spLocks noGrp="1" noRot="1" noChangeAspect="1"/>
+          </p:cNvSpPr>
+          <p:nvPr>
+            <p:ph type="sldImg"/>
+          </p:nvPr>
+        </p:nvSpPr>
+        <p:spPr/>
+      </p:sp>
+      <p:sp>
+        <p:nvSpPr>
+          <p:cNvPr id="3" name="Notes Placeholder 2"/>
+          <p:cNvSpPr>
+            <a:spLocks noGrp="1"/>
+          </p:cNvSpPr>
+          <p:nvPr>
+            <p:ph type="body" idx="1"/>
+          </p:nvPr>
+        </p:nvSpPr>
+        <p:spPr/>
+        <p:txBody>
+          <a:bodyPr/>
+          <a:lstStyle/>
+          <a:p>
             <a:endParaRPr lang="en-US" dirty="0"/>
           </a:p>
         </p:txBody>
@@ -2805,7 +2892,7 @@
           <a:p>
             <a:fld id="{ACF1A1B0-862D-4909-A7DB-D8ADA062DFCA}" type="datetimeFigureOut">
               <a:rPr lang="en-US" dirty="0"/>
-              <a:t>7/3/2021</a:t>
+              <a:t>7/4/2021</a:t>
             </a:fld>
             <a:endParaRPr lang="en-US"/>
           </a:p>
@@ -3028,7 +3115,7 @@
           <a:p>
             <a:fld id="{7B156144-9CB7-4E3A-B87E-A382F9BE05EF}" type="datetimeFigureOut">
               <a:rPr lang="en-US" dirty="0"/>
-              <a:t>7/3/2021</a:t>
+              <a:t>7/4/2021</a:t>
             </a:fld>
             <a:endParaRPr lang="en-US"/>
           </a:p>
@@ -3206,7 +3293,7 @@
           <a:p>
             <a:fld id="{2643D55F-46AB-4791-9172-4FA8DD3A6A9C}" type="datetimeFigureOut">
               <a:rPr lang="en-US" dirty="0"/>
-              <a:t>7/3/2021</a:t>
+              <a:t>7/4/2021</a:t>
             </a:fld>
             <a:endParaRPr lang="en-US"/>
           </a:p>
@@ -3374,7 +3461,7 @@
           <a:p>
             <a:fld id="{58026881-8A08-449C-8D73-E5F201F814C1}" type="datetimeFigureOut">
               <a:rPr lang="en-US" dirty="0"/>
-              <a:t>7/3/2021</a:t>
+              <a:t>7/4/2021</a:t>
             </a:fld>
             <a:endParaRPr lang="en-US"/>
           </a:p>
@@ -3664,7 +3751,7 @@
           <a:p>
             <a:fld id="{1BEB5A5E-0C07-4E93-A112-D37B4D166B30}" type="datetimeFigureOut">
               <a:rPr lang="en-US" dirty="0"/>
-              <a:t>7/3/2021</a:t>
+              <a:t>7/4/2021</a:t>
             </a:fld>
             <a:endParaRPr lang="en-US"/>
           </a:p>
@@ -3987,7 +4074,7 @@
           <a:p>
             <a:fld id="{9E1F71C5-DC57-4358-A1EA-30C08AF6E3C5}" type="datetimeFigureOut">
               <a:rPr lang="en-US" dirty="0"/>
-              <a:t>7/3/2021</a:t>
+              <a:t>7/4/2021</a:t>
             </a:fld>
             <a:endParaRPr lang="en-US"/>
           </a:p>
@@ -4396,7 +4483,7 @@
           <a:p>
             <a:fld id="{12571DBA-DE60-4731-B773-47AAA185C143}" type="datetimeFigureOut">
               <a:rPr lang="en-US" dirty="0"/>
-              <a:t>7/3/2021</a:t>
+              <a:t>7/4/2021</a:t>
             </a:fld>
             <a:endParaRPr lang="en-US"/>
           </a:p>
@@ -4513,7 +4600,7 @@
           <a:p>
             <a:fld id="{4F170639-886C-4FCF-9EAB-ABB5DA3F3F4A}" type="datetimeFigureOut">
               <a:rPr lang="en-US" dirty="0"/>
-              <a:t>7/3/2021</a:t>
+              <a:t>7/4/2021</a:t>
             </a:fld>
             <a:endParaRPr lang="en-US"/>
           </a:p>
@@ -4608,7 +4695,7 @@
           <a:p>
             <a:fld id="{34C4A628-C83B-4C66-83F4-1711CE3738FD}" type="datetimeFigureOut">
               <a:rPr lang="en-US" dirty="0"/>
-              <a:t>7/3/2021</a:t>
+              <a:t>7/4/2021</a:t>
             </a:fld>
             <a:endParaRPr lang="en-US"/>
           </a:p>
@@ -4893,7 +4980,7 @@
           <a:p>
             <a:fld id="{B88C1D73-9400-43CA-A37F-F9B7D00DE14C}" type="datetimeFigureOut">
               <a:rPr lang="en-US" dirty="0"/>
-              <a:t>7/3/2021</a:t>
+              <a:t>7/4/2021</a:t>
             </a:fld>
             <a:endParaRPr lang="en-US"/>
           </a:p>
@@ -5165,7 +5252,7 @@
           <a:p>
             <a:fld id="{188B7711-B905-4633-B4D7-6F3A49A2E7D9}" type="datetimeFigureOut">
               <a:rPr lang="en-US" dirty="0"/>
-              <a:t>7/3/2021</a:t>
+              <a:t>7/4/2021</a:t>
             </a:fld>
             <a:endParaRPr lang="en-US"/>
           </a:p>
@@ -5415,7 +5502,7 @@
             <a:fld id="{89C235CF-BDA2-4E7E-8BBD-350479985E74}" type="datetimeFigureOut">
               <a:rPr lang="en-US" dirty="0"/>
               <a:pPr/>
-              <a:t>7/3/2021</a:t>
+              <a:t>7/4/2021</a:t>
             </a:fld>
             <a:endParaRPr lang="en-US"/>
           </a:p>
@@ -6142,10 +6229,72 @@
           <a:bodyPr/>
           <a:lstStyle/>
           <a:p>
-            <a:endParaRPr lang="en-US" dirty="0"/>
-          </a:p>
-        </p:txBody>
-      </p:sp>
+            <a:r>
+              <a:rPr lang="en-US" dirty="0"/>
+              <a:t>Goal is to reduce the dimensions in your dataset</a:t>
+            </a:r>
+          </a:p>
+          <a:p>
+            <a:r>
+              <a:rPr lang="en-US" dirty="0"/>
+              <a:t>Why? If we have a lot of dimensions the model is more complex, which increases the chance of overfitting</a:t>
+            </a:r>
+          </a:p>
+          <a:p>
+            <a:r>
+              <a:rPr lang="en-US" dirty="0"/>
+              <a:t>There are linear and non-linear ways of doing this depending on your data</a:t>
+            </a:r>
+          </a:p>
+        </p:txBody>
+      </p:sp>
+      <p:pic>
+        <p:nvPicPr>
+          <p:cNvPr id="1026" name="Picture 2">
+            <a:extLst>
+              <a:ext uri="{FF2B5EF4-FFF2-40B4-BE49-F238E27FC236}">
+                <a16:creationId xmlns:a16="http://schemas.microsoft.com/office/drawing/2014/main" id="{55554E0E-D7CE-45D8-BA0D-904EDBA32564}"/>
+              </a:ext>
+            </a:extLst>
+          </p:cNvPr>
+          <p:cNvPicPr>
+            <a:picLocks noChangeAspect="1" noChangeArrowheads="1"/>
+          </p:cNvPicPr>
+          <p:nvPr/>
+        </p:nvPicPr>
+        <p:blipFill>
+          <a:blip r:embed="rId3">
+            <a:extLst>
+              <a:ext uri="{28A0092B-C50C-407E-A947-70E740481C1C}">
+                <a14:useLocalDpi xmlns:a14="http://schemas.microsoft.com/office/drawing/2010/main" val="0"/>
+              </a:ext>
+            </a:extLst>
+          </a:blip>
+          <a:srcRect/>
+          <a:stretch>
+            <a:fillRect/>
+          </a:stretch>
+        </p:blipFill>
+        <p:spPr bwMode="auto">
+          <a:xfrm>
+            <a:off x="2334768" y="3939489"/>
+            <a:ext cx="6048375" cy="2240648"/>
+          </a:xfrm>
+          <a:prstGeom prst="rect">
+            <a:avLst/>
+          </a:prstGeom>
+          <a:noFill/>
+          <a:extLst>
+            <a:ext uri="{909E8E84-426E-40DD-AFC4-6F175D3DCCD1}">
+              <a14:hiddenFill xmlns:a14="http://schemas.microsoft.com/office/drawing/2010/main">
+                <a:solidFill>
+                  <a:srgbClr val="FFFFFF"/>
+                </a:solidFill>
+              </a14:hiddenFill>
+            </a:ext>
+          </a:extLst>
+        </p:spPr>
+      </p:pic>
     </p:spTree>
     <p:extLst>
       <p:ext uri="{BB962C8B-B14F-4D97-AF65-F5344CB8AC3E}">
@@ -6491,7 +6640,7 @@
           <a:p>
             <a:r>
               <a:rPr lang="en-US" dirty="0"/>
-              <a:t>Unsupervised Learning (15 mins)</a:t>
+              <a:t>Unsupervised Learning (25 mins)</a:t>
             </a:r>
           </a:p>
           <a:p>
@@ -6503,7 +6652,7 @@
           <a:p>
             <a:r>
               <a:rPr lang="en-US" dirty="0"/>
-              <a:t>Unsupervised Learning (30 mins)</a:t>
+              <a:t>Unsupervised Learning (20 mins)</a:t>
             </a:r>
           </a:p>
           <a:p>
@@ -7040,10 +7189,15 @@
             <p:ph idx="1"/>
           </p:nvPr>
         </p:nvSpPr>
-        <p:spPr/>
+        <p:spPr>
+          <a:xfrm>
+            <a:off x="1261872" y="1828800"/>
+            <a:ext cx="8595360" cy="4545106"/>
+          </a:xfrm>
+        </p:spPr>
         <p:txBody>
           <a:bodyPr>
-            <a:normAutofit/>
+            <a:normAutofit fontScale="92500" lnSpcReduction="10000"/>
           </a:bodyPr>
           <a:lstStyle/>
           <a:p>
@@ -7069,7 +7223,7 @@
             <a:pPr lvl="2"/>
             <a:r>
               <a:rPr lang="en-US" dirty="0"/>
-              <a:t>K-means (also fuzzy K-means)</a:t>
+              <a:t>K-means</a:t>
             </a:r>
           </a:p>
           <a:p>
@@ -7097,20 +7251,54 @@
             <a:pPr lvl="2"/>
             <a:r>
               <a:rPr lang="en-US" dirty="0"/>
+              <a:t>Linear</a:t>
+            </a:r>
+          </a:p>
+          <a:p>
+            <a:pPr lvl="3"/>
+            <a:r>
+              <a:rPr lang="en-US" dirty="0"/>
               <a:t>Principal component analysis (PCA)</a:t>
             </a:r>
           </a:p>
           <a:p>
-            <a:pPr marL="274320" lvl="1" indent="0">
-              <a:buNone/>
-            </a:pPr>
-            <a:endParaRPr lang="en-US" dirty="0"/>
-          </a:p>
-          <a:p>
-            <a:pPr marL="274320" lvl="1" indent="0">
-              <a:buNone/>
-            </a:pPr>
-            <a:endParaRPr lang="en-US" dirty="0"/>
+            <a:pPr lvl="3"/>
+            <a:r>
+              <a:rPr lang="en-US" dirty="0"/>
+              <a:t>SVD – sparse data</a:t>
+            </a:r>
+          </a:p>
+          <a:p>
+            <a:pPr lvl="3"/>
+            <a:r>
+              <a:rPr lang="en-US" dirty="0"/>
+              <a:t>Linear discriminant …</a:t>
+            </a:r>
+          </a:p>
+          <a:p>
+            <a:pPr lvl="2"/>
+            <a:r>
+              <a:rPr lang="en-US" dirty="0"/>
+              <a:t>Non-Linear</a:t>
+            </a:r>
+          </a:p>
+          <a:p>
+            <a:pPr lvl="3"/>
+            <a:r>
+              <a:rPr lang="en-US" dirty="0" err="1"/>
+              <a:t>Isomap</a:t>
+            </a:r>
+            <a:r>
+              <a:rPr lang="en-US" dirty="0"/>
+              <a:t> embedding</a:t>
+            </a:r>
+          </a:p>
+          <a:p>
+            <a:pPr lvl="3"/>
+            <a:r>
+              <a:rPr lang="en-US" dirty="0"/>
+              <a:t>…</a:t>
+            </a:r>
           </a:p>
           <a:p>
             <a:r>
@@ -7180,7 +7368,7 @@
                                         <p:tgtEl>
                                           <p:spTgt spid="3">
                                             <p:txEl>
-                                              <p:pRg st="10" end="10"/>
+                                              <p:pRg st="14" end="14"/>
                                             </p:txEl>
                                           </p:spTgt>
                                         </p:tgtEl>

--- a/course_material/week_19/week_19_presentation.pptx
+++ b/course_material/week_19/week_19_presentation.pptx
@@ -5,21 +5,20 @@
     <p:sldMasterId id="2147483696" r:id="rId1"/>
   </p:sldMasterIdLst>
   <p:notesMasterIdLst>
-    <p:notesMasterId r:id="rId14"/>
+    <p:notesMasterId r:id="rId13"/>
   </p:notesMasterIdLst>
   <p:sldIdLst>
     <p:sldId id="256" r:id="rId2"/>
     <p:sldId id="274" r:id="rId3"/>
     <p:sldId id="259" r:id="rId4"/>
-    <p:sldId id="318" r:id="rId5"/>
-    <p:sldId id="319" r:id="rId6"/>
-    <p:sldId id="322" r:id="rId7"/>
-    <p:sldId id="323" r:id="rId8"/>
-    <p:sldId id="324" r:id="rId9"/>
-    <p:sldId id="326" r:id="rId10"/>
-    <p:sldId id="311" r:id="rId11"/>
-    <p:sldId id="325" r:id="rId12"/>
-    <p:sldId id="271" r:id="rId13"/>
+    <p:sldId id="319" r:id="rId5"/>
+    <p:sldId id="322" r:id="rId6"/>
+    <p:sldId id="323" r:id="rId7"/>
+    <p:sldId id="324" r:id="rId8"/>
+    <p:sldId id="326" r:id="rId9"/>
+    <p:sldId id="311" r:id="rId10"/>
+    <p:sldId id="325" r:id="rId11"/>
+    <p:sldId id="271" r:id="rId12"/>
   </p:sldIdLst>
   <p:sldSz cx="12192000" cy="6858000"/>
   <p:notesSz cx="6858000" cy="9144000"/>
@@ -1834,7 +1833,7 @@
           <a:p>
             <a:fld id="{5CF9EFDB-215C-4120-ADCB-EAD745B7163E}" type="datetimeFigureOut">
               <a:rPr lang="en-US" smtClean="0"/>
-              <a:t>7/4/2021</a:t>
+              <a:t>7/7/2021</a:t>
             </a:fld>
             <a:endParaRPr lang="en-US"/>
           </a:p>
@@ -2334,7 +2333,7 @@
           <a:p>
             <a:fld id="{791F1524-C5FD-4370-8A10-5BE52A97A495}" type="slidenum">
               <a:rPr lang="en-US" smtClean="0"/>
-              <a:t>5</a:t>
+              <a:t>4</a:t>
             </a:fld>
             <a:endParaRPr lang="en-US"/>
           </a:p>
@@ -2421,7 +2420,7 @@
           <a:p>
             <a:fld id="{791F1524-C5FD-4370-8A10-5BE52A97A495}" type="slidenum">
               <a:rPr lang="en-US" smtClean="0"/>
-              <a:t>6</a:t>
+              <a:t>5</a:t>
             </a:fld>
             <a:endParaRPr lang="en-US"/>
           </a:p>
@@ -2508,7 +2507,7 @@
           <a:p>
             <a:fld id="{791F1524-C5FD-4370-8A10-5BE52A97A495}" type="slidenum">
               <a:rPr lang="en-US" smtClean="0"/>
-              <a:t>8</a:t>
+              <a:t>7</a:t>
             </a:fld>
             <a:endParaRPr lang="en-US"/>
           </a:p>
@@ -2595,7 +2594,7 @@
           <a:p>
             <a:fld id="{791F1524-C5FD-4370-8A10-5BE52A97A495}" type="slidenum">
               <a:rPr lang="en-US" smtClean="0"/>
-              <a:t>11</a:t>
+              <a:t>10</a:t>
             </a:fld>
             <a:endParaRPr lang="en-US"/>
           </a:p>
@@ -2679,7 +2678,7 @@
           <a:p>
             <a:fld id="{791F1524-C5FD-4370-8A10-5BE52A97A495}" type="slidenum">
               <a:rPr lang="en-US" smtClean="0"/>
-              <a:t>12</a:t>
+              <a:t>11</a:t>
             </a:fld>
             <a:endParaRPr lang="en-US"/>
           </a:p>
@@ -2892,7 +2891,7 @@
           <a:p>
             <a:fld id="{ACF1A1B0-862D-4909-A7DB-D8ADA062DFCA}" type="datetimeFigureOut">
               <a:rPr lang="en-US" dirty="0"/>
-              <a:t>7/4/2021</a:t>
+              <a:t>7/7/2021</a:t>
             </a:fld>
             <a:endParaRPr lang="en-US"/>
           </a:p>
@@ -3115,7 +3114,7 @@
           <a:p>
             <a:fld id="{7B156144-9CB7-4E3A-B87E-A382F9BE05EF}" type="datetimeFigureOut">
               <a:rPr lang="en-US" dirty="0"/>
-              <a:t>7/4/2021</a:t>
+              <a:t>7/7/2021</a:t>
             </a:fld>
             <a:endParaRPr lang="en-US"/>
           </a:p>
@@ -3293,7 +3292,7 @@
           <a:p>
             <a:fld id="{2643D55F-46AB-4791-9172-4FA8DD3A6A9C}" type="datetimeFigureOut">
               <a:rPr lang="en-US" dirty="0"/>
-              <a:t>7/4/2021</a:t>
+              <a:t>7/7/2021</a:t>
             </a:fld>
             <a:endParaRPr lang="en-US"/>
           </a:p>
@@ -3461,7 +3460,7 @@
           <a:p>
             <a:fld id="{58026881-8A08-449C-8D73-E5F201F814C1}" type="datetimeFigureOut">
               <a:rPr lang="en-US" dirty="0"/>
-              <a:t>7/4/2021</a:t>
+              <a:t>7/7/2021</a:t>
             </a:fld>
             <a:endParaRPr lang="en-US"/>
           </a:p>
@@ -3751,7 +3750,7 @@
           <a:p>
             <a:fld id="{1BEB5A5E-0C07-4E93-A112-D37B4D166B30}" type="datetimeFigureOut">
               <a:rPr lang="en-US" dirty="0"/>
-              <a:t>7/4/2021</a:t>
+              <a:t>7/7/2021</a:t>
             </a:fld>
             <a:endParaRPr lang="en-US"/>
           </a:p>
@@ -4074,7 +4073,7 @@
           <a:p>
             <a:fld id="{9E1F71C5-DC57-4358-A1EA-30C08AF6E3C5}" type="datetimeFigureOut">
               <a:rPr lang="en-US" dirty="0"/>
-              <a:t>7/4/2021</a:t>
+              <a:t>7/7/2021</a:t>
             </a:fld>
             <a:endParaRPr lang="en-US"/>
           </a:p>
@@ -4483,7 +4482,7 @@
           <a:p>
             <a:fld id="{12571DBA-DE60-4731-B773-47AAA185C143}" type="datetimeFigureOut">
               <a:rPr lang="en-US" dirty="0"/>
-              <a:t>7/4/2021</a:t>
+              <a:t>7/7/2021</a:t>
             </a:fld>
             <a:endParaRPr lang="en-US"/>
           </a:p>
@@ -4600,7 +4599,7 @@
           <a:p>
             <a:fld id="{4F170639-886C-4FCF-9EAB-ABB5DA3F3F4A}" type="datetimeFigureOut">
               <a:rPr lang="en-US" dirty="0"/>
-              <a:t>7/4/2021</a:t>
+              <a:t>7/7/2021</a:t>
             </a:fld>
             <a:endParaRPr lang="en-US"/>
           </a:p>
@@ -4695,7 +4694,7 @@
           <a:p>
             <a:fld id="{34C4A628-C83B-4C66-83F4-1711CE3738FD}" type="datetimeFigureOut">
               <a:rPr lang="en-US" dirty="0"/>
-              <a:t>7/4/2021</a:t>
+              <a:t>7/7/2021</a:t>
             </a:fld>
             <a:endParaRPr lang="en-US"/>
           </a:p>
@@ -4980,7 +4979,7 @@
           <a:p>
             <a:fld id="{B88C1D73-9400-43CA-A37F-F9B7D00DE14C}" type="datetimeFigureOut">
               <a:rPr lang="en-US" dirty="0"/>
-              <a:t>7/4/2021</a:t>
+              <a:t>7/7/2021</a:t>
             </a:fld>
             <a:endParaRPr lang="en-US"/>
           </a:p>
@@ -5252,7 +5251,7 @@
           <a:p>
             <a:fld id="{188B7711-B905-4633-B4D7-6F3A49A2E7D9}" type="datetimeFigureOut">
               <a:rPr lang="en-US" dirty="0"/>
-              <a:t>7/4/2021</a:t>
+              <a:t>7/7/2021</a:t>
             </a:fld>
             <a:endParaRPr lang="en-US"/>
           </a:p>
@@ -5502,7 +5501,7 @@
             <a:fld id="{89C235CF-BDA2-4E7E-8BBD-350479985E74}" type="datetimeFigureOut">
               <a:rPr lang="en-US" dirty="0"/>
               <a:pPr/>
-              <a:t>7/4/2021</a:t>
+              <a:t>7/7/2021</a:t>
             </a:fld>
             <a:endParaRPr lang="en-US"/>
           </a:p>
@@ -6065,123 +6064,6 @@
       </p:grpSpPr>
       <p:sp>
         <p:nvSpPr>
-          <p:cNvPr id="4" name="Title 3">
-            <a:extLst>
-              <a:ext uri="{FF2B5EF4-FFF2-40B4-BE49-F238E27FC236}">
-                <a16:creationId xmlns:a16="http://schemas.microsoft.com/office/drawing/2014/main" id="{297BDE90-8DCF-4039-AB05-11C3F09C3813}"/>
-              </a:ext>
-            </a:extLst>
-          </p:cNvPr>
-          <p:cNvSpPr>
-            <a:spLocks noGrp="1"/>
-          </p:cNvSpPr>
-          <p:nvPr>
-            <p:ph type="ctrTitle"/>
-          </p:nvPr>
-        </p:nvSpPr>
-        <p:spPr/>
-        <p:txBody>
-          <a:bodyPr/>
-          <a:lstStyle/>
-          <a:p>
-            <a:r>
-              <a:rPr lang="en-US" dirty="0"/>
-              <a:t>Break (15 Minutes)</a:t>
-            </a:r>
-          </a:p>
-        </p:txBody>
-      </p:sp>
-      <p:sp>
-        <p:nvSpPr>
-          <p:cNvPr id="5" name="Subtitle 4">
-            <a:extLst>
-              <a:ext uri="{FF2B5EF4-FFF2-40B4-BE49-F238E27FC236}">
-                <a16:creationId xmlns:a16="http://schemas.microsoft.com/office/drawing/2014/main" id="{AE43AD4D-53BE-4D90-B4EE-A313556AC5A9}"/>
-              </a:ext>
-            </a:extLst>
-          </p:cNvPr>
-          <p:cNvSpPr>
-            <a:spLocks noGrp="1"/>
-          </p:cNvSpPr>
-          <p:nvPr>
-            <p:ph type="subTitle" idx="1"/>
-          </p:nvPr>
-        </p:nvSpPr>
-        <p:spPr/>
-        <p:txBody>
-          <a:bodyPr/>
-          <a:lstStyle/>
-          <a:p>
-            <a:r>
-              <a:rPr lang="en-US" dirty="0"/>
-              <a:t>Attendance </a:t>
-            </a:r>
-            <a:r>
-              <a:rPr lang="en-US" dirty="0" err="1"/>
-              <a:t>word:</a:t>
-            </a:r>
-            <a:r>
-              <a:rPr lang="en-US" b="0" i="0" dirty="0" err="1">
-                <a:solidFill>
-                  <a:schemeClr val="tx1"/>
-                </a:solidFill>
-                <a:effectLst/>
-                <a:latin typeface="Slack-Lato"/>
-              </a:rPr>
-              <a:t>CSSConjurer</a:t>
-            </a:r>
-            <a:r>
-              <a:rPr lang="en-US" b="0" i="0" dirty="0">
-                <a:solidFill>
-                  <a:srgbClr val="1D1C1D"/>
-                </a:solidFill>
-                <a:effectLst/>
-                <a:latin typeface="Slack-Lato"/>
-              </a:rPr>
-              <a:t> </a:t>
-            </a:r>
-            <a:endParaRPr lang="en-US" dirty="0">
-              <a:solidFill>
-                <a:schemeClr val="tx1">
-                  <a:lumMod val="95000"/>
-                </a:schemeClr>
-              </a:solidFill>
-            </a:endParaRPr>
-          </a:p>
-        </p:txBody>
-      </p:sp>
-    </p:spTree>
-    <p:extLst>
-      <p:ext uri="{BB962C8B-B14F-4D97-AF65-F5344CB8AC3E}">
-        <p14:creationId xmlns:p14="http://schemas.microsoft.com/office/powerpoint/2010/main" val="2787214284"/>
-      </p:ext>
-    </p:extLst>
-  </p:cSld>
-  <p:clrMapOvr>
-    <a:masterClrMapping/>
-  </p:clrMapOvr>
-</p:sld>
-</file>
-
-<file path=ppt/slides/slide11.xml><?xml version="1.0" encoding="utf-8"?>
-<p:sld xmlns:a="http://schemas.openxmlformats.org/drawingml/2006/main" xmlns:r="http://schemas.openxmlformats.org/officeDocument/2006/relationships" xmlns:p="http://schemas.openxmlformats.org/presentationml/2006/main">
-  <p:cSld>
-    <p:spTree>
-      <p:nvGrpSpPr>
-        <p:cNvPr id="1" name=""/>
-        <p:cNvGrpSpPr/>
-        <p:nvPr/>
-      </p:nvGrpSpPr>
-      <p:grpSpPr>
-        <a:xfrm>
-          <a:off x="0" y="0"/>
-          <a:ext cx="0" cy="0"/>
-          <a:chOff x="0" y="0"/>
-          <a:chExt cx="0" cy="0"/>
-        </a:xfrm>
-      </p:grpSpPr>
-      <p:sp>
-        <p:nvSpPr>
           <p:cNvPr id="2" name="Title 1">
             <a:extLst>
               <a:ext uri="{FF2B5EF4-FFF2-40B4-BE49-F238E27FC236}">
@@ -6308,7 +6190,7 @@
 </p:sld>
 </file>
 
-<file path=ppt/slides/slide12.xml><?xml version="1.0" encoding="utf-8"?>
+<file path=ppt/slides/slide11.xml><?xml version="1.0" encoding="utf-8"?>
 <p:sld xmlns:a="http://schemas.openxmlformats.org/drawingml/2006/main" xmlns:r="http://schemas.openxmlformats.org/officeDocument/2006/relationships" xmlns:p="http://schemas.openxmlformats.org/presentationml/2006/main">
   <p:cSld>
     <p:spTree>
@@ -6677,109 +6559,6 @@
 </file>
 
 <file path=ppt/slides/slide4.xml><?xml version="1.0" encoding="utf-8"?>
-<p:sld xmlns:a="http://schemas.openxmlformats.org/drawingml/2006/main" xmlns:r="http://schemas.openxmlformats.org/officeDocument/2006/relationships" xmlns:p="http://schemas.openxmlformats.org/presentationml/2006/main">
-  <p:cSld>
-    <p:spTree>
-      <p:nvGrpSpPr>
-        <p:cNvPr id="1" name=""/>
-        <p:cNvGrpSpPr/>
-        <p:nvPr/>
-      </p:nvGrpSpPr>
-      <p:grpSpPr>
-        <a:xfrm>
-          <a:off x="0" y="0"/>
-          <a:ext cx="0" cy="0"/>
-          <a:chOff x="0" y="0"/>
-          <a:chExt cx="0" cy="0"/>
-        </a:xfrm>
-      </p:grpSpPr>
-      <p:sp>
-        <p:nvSpPr>
-          <p:cNvPr id="2" name="Title 1">
-            <a:extLst>
-              <a:ext uri="{FF2B5EF4-FFF2-40B4-BE49-F238E27FC236}">
-                <a16:creationId xmlns:a16="http://schemas.microsoft.com/office/drawing/2014/main" id="{D12E1A43-979E-43E5-8C1F-8326EB2B3FB4}"/>
-              </a:ext>
-            </a:extLst>
-          </p:cNvPr>
-          <p:cNvSpPr>
-            <a:spLocks noGrp="1"/>
-          </p:cNvSpPr>
-          <p:nvPr>
-            <p:ph type="title"/>
-          </p:nvPr>
-        </p:nvSpPr>
-        <p:spPr/>
-        <p:txBody>
-          <a:bodyPr/>
-          <a:lstStyle/>
-          <a:p>
-            <a:r>
-              <a:rPr lang="en-US" dirty="0"/>
-              <a:t>Class Memo</a:t>
-            </a:r>
-          </a:p>
-        </p:txBody>
-      </p:sp>
-      <p:sp>
-        <p:nvSpPr>
-          <p:cNvPr id="3" name="Content Placeholder 2">
-            <a:extLst>
-              <a:ext uri="{FF2B5EF4-FFF2-40B4-BE49-F238E27FC236}">
-                <a16:creationId xmlns:a16="http://schemas.microsoft.com/office/drawing/2014/main" id="{AB97D0A4-C422-42C6-8E66-F662B343808D}"/>
-              </a:ext>
-            </a:extLst>
-          </p:cNvPr>
-          <p:cNvSpPr>
-            <a:spLocks noGrp="1"/>
-          </p:cNvSpPr>
-          <p:nvPr>
-            <p:ph idx="1"/>
-          </p:nvPr>
-        </p:nvSpPr>
-        <p:spPr/>
-        <p:txBody>
-          <a:bodyPr/>
-          <a:lstStyle/>
-          <a:p>
-            <a:r>
-              <a:rPr lang="en-US" dirty="0"/>
-              <a:t>To continue in this course, you must have completed 17 of the 18 assignments by July 7</a:t>
-            </a:r>
-            <a:r>
-              <a:rPr lang="en-US" baseline="30000" dirty="0"/>
-              <a:t>th</a:t>
-            </a:r>
-            <a:r>
-              <a:rPr lang="en-US" dirty="0"/>
-              <a:t>!</a:t>
-            </a:r>
-          </a:p>
-          <a:p>
-            <a:endParaRPr lang="en-US" dirty="0"/>
-          </a:p>
-          <a:p>
-            <a:r>
-              <a:rPr lang="en-US" dirty="0"/>
-              <a:t>Remember, for the whole course, you can miss one assignment, but you must complete all your group projects. </a:t>
-            </a:r>
-          </a:p>
-        </p:txBody>
-      </p:sp>
-    </p:spTree>
-    <p:extLst>
-      <p:ext uri="{BB962C8B-B14F-4D97-AF65-F5344CB8AC3E}">
-        <p14:creationId xmlns:p14="http://schemas.microsoft.com/office/powerpoint/2010/main" val="1152658853"/>
-      </p:ext>
-    </p:extLst>
-  </p:cSld>
-  <p:clrMapOvr>
-    <a:masterClrMapping/>
-  </p:clrMapOvr>
-</p:sld>
-</file>
-
-<file path=ppt/slides/slide5.xml><?xml version="1.0" encoding="utf-8"?>
 <p:sld xmlns:a="http://schemas.openxmlformats.org/drawingml/2006/main" xmlns:r="http://schemas.openxmlformats.org/officeDocument/2006/relationships" xmlns:p="http://schemas.openxmlformats.org/presentationml/2006/main">
   <p:cSld>
     <p:bg>
@@ -7030,7 +6809,7 @@
 </p:sld>
 </file>
 
-<file path=ppt/slides/slide6.xml><?xml version="1.0" encoding="utf-8"?>
+<file path=ppt/slides/slide5.xml><?xml version="1.0" encoding="utf-8"?>
 <p:sld xmlns:a="http://schemas.openxmlformats.org/drawingml/2006/main" xmlns:r="http://schemas.openxmlformats.org/officeDocument/2006/relationships" xmlns:p="http://schemas.openxmlformats.org/presentationml/2006/main">
   <p:cSld>
     <p:spTree>
@@ -7128,7 +6907,7 @@
 </p:sld>
 </file>
 
-<file path=ppt/slides/slide7.xml><?xml version="1.0" encoding="utf-8"?>
+<file path=ppt/slides/slide6.xml><?xml version="1.0" encoding="utf-8"?>
 <p:sld xmlns:a="http://schemas.openxmlformats.org/drawingml/2006/main" xmlns:r="http://schemas.openxmlformats.org/officeDocument/2006/relationships" xmlns:p="http://schemas.openxmlformats.org/presentationml/2006/main">
   <p:cSld>
     <p:spTree>
@@ -7414,7 +7193,7 @@
 </p:sld>
 </file>
 
-<file path=ppt/slides/slide8.xml><?xml version="1.0" encoding="utf-8"?>
+<file path=ppt/slides/slide7.xml><?xml version="1.0" encoding="utf-8"?>
 <p:sld xmlns:a="http://schemas.openxmlformats.org/drawingml/2006/main" xmlns:r="http://schemas.openxmlformats.org/officeDocument/2006/relationships" xmlns:p="http://schemas.openxmlformats.org/presentationml/2006/main">
   <p:cSld>
     <p:bg>
@@ -7593,7 +7372,7 @@
 </p:sld>
 </file>
 
-<file path=ppt/slides/slide9.xml><?xml version="1.0" encoding="utf-8"?>
+<file path=ppt/slides/slide8.xml><?xml version="1.0" encoding="utf-8"?>
 <p:sld xmlns:a="http://schemas.openxmlformats.org/drawingml/2006/main" xmlns:r="http://schemas.openxmlformats.org/officeDocument/2006/relationships" xmlns:p="http://schemas.openxmlformats.org/presentationml/2006/main">
   <p:cSld>
     <p:spTree>
@@ -7966,6 +7745,123 @@
       </p:par>
     </p:tnLst>
   </p:timing>
+</p:sld>
+</file>
+
+<file path=ppt/slides/slide9.xml><?xml version="1.0" encoding="utf-8"?>
+<p:sld xmlns:a="http://schemas.openxmlformats.org/drawingml/2006/main" xmlns:r="http://schemas.openxmlformats.org/officeDocument/2006/relationships" xmlns:p="http://schemas.openxmlformats.org/presentationml/2006/main">
+  <p:cSld>
+    <p:spTree>
+      <p:nvGrpSpPr>
+        <p:cNvPr id="1" name=""/>
+        <p:cNvGrpSpPr/>
+        <p:nvPr/>
+      </p:nvGrpSpPr>
+      <p:grpSpPr>
+        <a:xfrm>
+          <a:off x="0" y="0"/>
+          <a:ext cx="0" cy="0"/>
+          <a:chOff x="0" y="0"/>
+          <a:chExt cx="0" cy="0"/>
+        </a:xfrm>
+      </p:grpSpPr>
+      <p:sp>
+        <p:nvSpPr>
+          <p:cNvPr id="4" name="Title 3">
+            <a:extLst>
+              <a:ext uri="{FF2B5EF4-FFF2-40B4-BE49-F238E27FC236}">
+                <a16:creationId xmlns:a16="http://schemas.microsoft.com/office/drawing/2014/main" id="{297BDE90-8DCF-4039-AB05-11C3F09C3813}"/>
+              </a:ext>
+            </a:extLst>
+          </p:cNvPr>
+          <p:cNvSpPr>
+            <a:spLocks noGrp="1"/>
+          </p:cNvSpPr>
+          <p:nvPr>
+            <p:ph type="ctrTitle"/>
+          </p:nvPr>
+        </p:nvSpPr>
+        <p:spPr/>
+        <p:txBody>
+          <a:bodyPr/>
+          <a:lstStyle/>
+          <a:p>
+            <a:r>
+              <a:rPr lang="en-US" dirty="0"/>
+              <a:t>Break (15 Minutes)</a:t>
+            </a:r>
+          </a:p>
+        </p:txBody>
+      </p:sp>
+      <p:sp>
+        <p:nvSpPr>
+          <p:cNvPr id="5" name="Subtitle 4">
+            <a:extLst>
+              <a:ext uri="{FF2B5EF4-FFF2-40B4-BE49-F238E27FC236}">
+                <a16:creationId xmlns:a16="http://schemas.microsoft.com/office/drawing/2014/main" id="{AE43AD4D-53BE-4D90-B4EE-A313556AC5A9}"/>
+              </a:ext>
+            </a:extLst>
+          </p:cNvPr>
+          <p:cNvSpPr>
+            <a:spLocks noGrp="1"/>
+          </p:cNvSpPr>
+          <p:nvPr>
+            <p:ph type="subTitle" idx="1"/>
+          </p:nvPr>
+        </p:nvSpPr>
+        <p:spPr/>
+        <p:txBody>
+          <a:bodyPr/>
+          <a:lstStyle/>
+          <a:p>
+            <a:r>
+              <a:rPr lang="en-US" dirty="0"/>
+              <a:t>Attendance </a:t>
+            </a:r>
+            <a:r>
+              <a:rPr lang="en-US" dirty="0" err="1"/>
+              <a:t>word:</a:t>
+            </a:r>
+            <a:r>
+              <a:rPr lang="en-US" b="0" i="0" dirty="0" err="1">
+                <a:solidFill>
+                  <a:schemeClr val="tx1"/>
+                </a:solidFill>
+                <a:effectLst/>
+                <a:latin typeface="Slack-Lato"/>
+              </a:rPr>
+              <a:t>CSSConjurer</a:t>
+            </a:r>
+            <a:r>
+              <a:rPr lang="en-US" b="0" i="0" dirty="0">
+                <a:solidFill>
+                  <a:srgbClr val="1D1C1D"/>
+                </a:solidFill>
+                <a:effectLst/>
+                <a:latin typeface="Slack-Lato"/>
+              </a:rPr>
+              <a:t> </a:t>
+            </a:r>
+            <a:endParaRPr lang="en-US" dirty="0">
+              <a:solidFill>
+                <a:schemeClr val="tx1">
+                  <a:lumMod val="95000"/>
+                </a:schemeClr>
+              </a:solidFill>
+            </a:endParaRPr>
+          </a:p>
+        </p:txBody>
+      </p:sp>
+    </p:spTree>
+    <p:extLst>
+      <p:ext uri="{BB962C8B-B14F-4D97-AF65-F5344CB8AC3E}">
+        <p14:creationId xmlns:p14="http://schemas.microsoft.com/office/powerpoint/2010/main" val="2787214284"/>
+      </p:ext>
+    </p:extLst>
+  </p:cSld>
+  <p:clrMapOvr>
+    <a:masterClrMapping/>
+  </p:clrMapOvr>
 </p:sld>
 </file>
 
